--- a/PR2021-22_vmesna_5.pptx
+++ b/PR2021-22_vmesna_5.pptx
@@ -5,10 +5,10 @@
     <p:sldMasterId id="2147483744" r:id="rId1"/>
   </p:sldMasterIdLst>
   <p:notesMasterIdLst>
-    <p:notesMasterId r:id="rId33"/>
+    <p:notesMasterId r:id="rId34"/>
   </p:notesMasterIdLst>
   <p:handoutMasterIdLst>
-    <p:handoutMasterId r:id="rId34"/>
+    <p:handoutMasterId r:id="rId35"/>
   </p:handoutMasterIdLst>
   <p:sldIdLst>
     <p:sldId id="261" r:id="rId2"/>
@@ -38,10 +38,11 @@
     <p:sldId id="282" r:id="rId26"/>
     <p:sldId id="283" r:id="rId27"/>
     <p:sldId id="284" r:id="rId28"/>
-    <p:sldId id="288" r:id="rId29"/>
-    <p:sldId id="285" r:id="rId30"/>
-    <p:sldId id="286" r:id="rId31"/>
-    <p:sldId id="287" r:id="rId32"/>
+    <p:sldId id="289" r:id="rId29"/>
+    <p:sldId id="288" r:id="rId30"/>
+    <p:sldId id="285" r:id="rId31"/>
+    <p:sldId id="286" r:id="rId32"/>
+    <p:sldId id="287" r:id="rId33"/>
   </p:sldIdLst>
   <p:sldSz cx="9144000" cy="5143500" type="screen16x9"/>
   <p:notesSz cx="6858000" cy="9144000"/>
@@ -14728,6 +14729,348 @@
           <a:blip r:embed="rId2">
             <a:duotone>
               <a:schemeClr val="bg2">
+                <a:shade val="69000"/>
+                <a:hueMod val="108000"/>
+                <a:satMod val="164000"/>
+                <a:lumMod val="74000"/>
+              </a:schemeClr>
+              <a:schemeClr val="bg2">
+                <a:tint val="96000"/>
+                <a:hueMod val="88000"/>
+                <a:satMod val="140000"/>
+                <a:lumMod val="132000"/>
+              </a:schemeClr>
+            </a:duotone>
+          </a:blip>
+          <a:stretch/>
+        </a:blipFill>
+        <a:effectLst/>
+      </p:bgPr>
+    </p:bg>
+    <p:spTree>
+      <p:nvGrpSpPr>
+        <p:cNvPr id="1" name=""/>
+        <p:cNvGrpSpPr/>
+        <p:nvPr/>
+      </p:nvGrpSpPr>
+      <p:grpSpPr>
+        <a:xfrm>
+          <a:off x="0" y="0"/>
+          <a:ext cx="0" cy="0"/>
+          <a:chOff x="0" y="0"/>
+          <a:chExt cx="0" cy="0"/>
+        </a:xfrm>
+      </p:grpSpPr>
+      <p:sp>
+        <p:nvSpPr>
+          <p:cNvPr id="11" name="Rectangle 10">
+            <a:extLst>
+              <a:ext uri="{FF2B5EF4-FFF2-40B4-BE49-F238E27FC236}">
+                <a16:creationId xmlns:a16="http://schemas.microsoft.com/office/drawing/2014/main" id="{DFB3CEA1-88D9-42FB-88ED-1E9807FE6596}"/>
+              </a:ext>
+              <a:ext uri="{C183D7F6-B498-43B3-948B-1728B52AA6E4}">
+                <adec:decorative xmlns:adec="http://schemas.microsoft.com/office/drawing/2017/decorative" val="1"/>
+              </a:ext>
+            </a:extLst>
+          </p:cNvPr>
+          <p:cNvSpPr>
+            <a:spLocks noGrp="1" noRot="1" noChangeAspect="1" noMove="1" noResize="1" noEditPoints="1" noAdjustHandles="1" noChangeArrowheads="1" noChangeShapeType="1" noTextEdit="1"/>
+          </p:cNvSpPr>
+          <p:nvPr>
+            <p:extLst>
+              <p:ext uri="{386F3935-93C4-4BCD-93E2-E3B085C9AB24}">
+                <p16:designElem xmlns:p16="http://schemas.microsoft.com/office/powerpoint/2015/main" val="1"/>
+              </p:ext>
+            </p:extLst>
+          </p:nvPr>
+        </p:nvSpPr>
+        <p:spPr>
+          <a:xfrm>
+            <a:off x="357759" y="360045"/>
+            <a:ext cx="8428482" cy="4423410"/>
+          </a:xfrm>
+          <a:prstGeom prst="rect">
+            <a:avLst/>
+          </a:prstGeom>
+          <a:solidFill>
+            <a:srgbClr val="FFFFFF"/>
+          </a:solidFill>
+          <a:ln>
+            <a:noFill/>
+          </a:ln>
+        </p:spPr>
+        <p:style>
+          <a:lnRef idx="2">
+            <a:schemeClr val="accent1">
+              <a:shade val="50000"/>
+            </a:schemeClr>
+          </a:lnRef>
+          <a:fillRef idx="1">
+            <a:schemeClr val="accent1"/>
+          </a:fillRef>
+          <a:effectRef idx="0">
+            <a:schemeClr val="accent1"/>
+          </a:effectRef>
+          <a:fontRef idx="minor">
+            <a:schemeClr val="lt1"/>
+          </a:fontRef>
+        </p:style>
+        <p:txBody>
+          <a:bodyPr rtlCol="0" anchor="ctr"/>
+          <a:lstStyle/>
+          <a:p>
+            <a:pPr algn="ctr"/>
+            <a:endParaRPr lang="en-US" dirty="0"/>
+          </a:p>
+        </p:txBody>
+      </p:sp>
+      <p:pic>
+        <p:nvPicPr>
+          <p:cNvPr id="6" name="Picture 5" descr="Chart, line chart&#10;&#10;Description automatically generated">
+            <a:extLst>
+              <a:ext uri="{FF2B5EF4-FFF2-40B4-BE49-F238E27FC236}">
+                <a16:creationId xmlns:a16="http://schemas.microsoft.com/office/drawing/2014/main" id="{E9E05CB8-ED94-FE44-A12C-F365744138CA}"/>
+              </a:ext>
+            </a:extLst>
+          </p:cNvPr>
+          <p:cNvPicPr>
+            <a:picLocks noChangeAspect="1"/>
+          </p:cNvPicPr>
+          <p:nvPr/>
+        </p:nvPicPr>
+        <p:blipFill>
+          <a:blip r:embed="rId3"/>
+          <a:stretch>
+            <a:fillRect/>
+          </a:stretch>
+        </p:blipFill>
+        <p:spPr>
+          <a:xfrm>
+            <a:off x="482600" y="578168"/>
+            <a:ext cx="8178799" cy="3987163"/>
+          </a:xfrm>
+          <a:prstGeom prst="rect">
+            <a:avLst/>
+          </a:prstGeom>
+        </p:spPr>
+      </p:pic>
+      <p:sp>
+        <p:nvSpPr>
+          <p:cNvPr id="13" name="Rectangle 12">
+            <a:extLst>
+              <a:ext uri="{FF2B5EF4-FFF2-40B4-BE49-F238E27FC236}">
+                <a16:creationId xmlns:a16="http://schemas.microsoft.com/office/drawing/2014/main" id="{9A6C928E-4252-4F33-8C34-E50A12A3170B}"/>
+              </a:ext>
+              <a:ext uri="{C183D7F6-B498-43B3-948B-1728B52AA6E4}">
+                <adec:decorative xmlns:adec="http://schemas.microsoft.com/office/drawing/2017/decorative" val="1"/>
+              </a:ext>
+            </a:extLst>
+          </p:cNvPr>
+          <p:cNvSpPr>
+            <a:spLocks noGrp="1" noRot="1" noChangeAspect="1" noMove="1" noResize="1" noEditPoints="1" noAdjustHandles="1" noChangeArrowheads="1" noChangeShapeType="1" noTextEdit="1"/>
+          </p:cNvSpPr>
+          <p:nvPr>
+            <p:extLst>
+              <p:ext uri="{386F3935-93C4-4BCD-93E2-E3B085C9AB24}">
+                <p16:designElem xmlns:p16="http://schemas.microsoft.com/office/powerpoint/2015/main" val="1"/>
+              </p:ext>
+            </p:extLst>
+          </p:nvPr>
+        </p:nvSpPr>
+        <p:spPr>
+          <a:xfrm>
+            <a:off x="7828359" y="0"/>
+            <a:ext cx="514350" cy="857250"/>
+          </a:xfrm>
+          <a:prstGeom prst="rect">
+            <a:avLst/>
+          </a:prstGeom>
+          <a:solidFill>
+            <a:schemeClr val="accent1"/>
+          </a:solidFill>
+          <a:ln>
+            <a:noFill/>
+          </a:ln>
+        </p:spPr>
+        <p:style>
+          <a:lnRef idx="1">
+            <a:schemeClr val="accent1"/>
+          </a:lnRef>
+          <a:fillRef idx="3">
+            <a:schemeClr val="accent1"/>
+          </a:fillRef>
+          <a:effectRef idx="2">
+            <a:schemeClr val="accent1"/>
+          </a:effectRef>
+          <a:fontRef idx="minor">
+            <a:schemeClr val="lt1"/>
+          </a:fontRef>
+        </p:style>
+      </p:sp>
+      <p:sp>
+        <p:nvSpPr>
+          <p:cNvPr id="4" name="Slide Number Placeholder 3">
+            <a:extLst>
+              <a:ext uri="{FF2B5EF4-FFF2-40B4-BE49-F238E27FC236}">
+                <a16:creationId xmlns:a16="http://schemas.microsoft.com/office/drawing/2014/main" id="{1E1968D3-C876-444D-93BE-87D5621E4FC1}"/>
+              </a:ext>
+            </a:extLst>
+          </p:cNvPr>
+          <p:cNvSpPr>
+            <a:spLocks noGrp="1"/>
+          </p:cNvSpPr>
+          <p:nvPr>
+            <p:ph type="sldNum" sz="quarter" idx="12"/>
+          </p:nvPr>
+        </p:nvSpPr>
+        <p:spPr>
+          <a:xfrm>
+            <a:off x="7764405" y="221796"/>
+            <a:ext cx="628649" cy="575766"/>
+          </a:xfrm>
+        </p:spPr>
+        <p:txBody>
+          <a:bodyPr>
+            <a:normAutofit/>
+          </a:bodyPr>
+          <a:lstStyle/>
+          <a:p>
+            <a:pPr>
+              <a:spcAft>
+                <a:spcPts val="600"/>
+              </a:spcAft>
+            </a:pPr>
+            <a:fld id="{03BC8BC1-971C-5C4D-898D-87CE7EF1EB36}" type="slidenum">
+              <a:rPr lang="en-US">
+                <a:solidFill>
+                  <a:srgbClr val="FFFFFF"/>
+                </a:solidFill>
+              </a:rPr>
+              <a:pPr>
+                <a:spcAft>
+                  <a:spcPts val="600"/>
+                </a:spcAft>
+              </a:pPr>
+              <a:t>28</a:t>
+            </a:fld>
+            <a:endParaRPr lang="en-US">
+              <a:solidFill>
+                <a:srgbClr val="FFFFFF"/>
+              </a:solidFill>
+            </a:endParaRPr>
+          </a:p>
+        </p:txBody>
+      </p:sp>
+      <p:sp>
+        <p:nvSpPr>
+          <p:cNvPr id="3" name="Footer Placeholder 2">
+            <a:extLst>
+              <a:ext uri="{FF2B5EF4-FFF2-40B4-BE49-F238E27FC236}">
+                <a16:creationId xmlns:a16="http://schemas.microsoft.com/office/drawing/2014/main" id="{B7FF2AF0-7F68-A14D-A97C-83035035BE4E}"/>
+              </a:ext>
+            </a:extLst>
+          </p:cNvPr>
+          <p:cNvSpPr>
+            <a:spLocks noGrp="1"/>
+          </p:cNvSpPr>
+          <p:nvPr>
+            <p:ph type="ftr" sz="quarter" idx="11"/>
+          </p:nvPr>
+        </p:nvSpPr>
+        <p:spPr>
+          <a:xfrm>
+            <a:off x="482600" y="4811443"/>
+            <a:ext cx="2894846" cy="228601"/>
+          </a:xfrm>
+        </p:spPr>
+        <p:txBody>
+          <a:bodyPr>
+            <a:normAutofit/>
+          </a:bodyPr>
+          <a:lstStyle/>
+          <a:p>
+            <a:pPr>
+              <a:spcAft>
+                <a:spcPts val="600"/>
+              </a:spcAft>
+            </a:pPr>
+            <a:r>
+              <a:rPr lang="en-US">
+                <a:solidFill>
+                  <a:srgbClr val="FFFFFF"/>
+                </a:solidFill>
+              </a:rPr>
+              <a:t>PR19-20, Vmesna predstavitev</a:t>
+            </a:r>
+          </a:p>
+        </p:txBody>
+      </p:sp>
+      <p:sp>
+        <p:nvSpPr>
+          <p:cNvPr id="2" name="Date Placeholder 1">
+            <a:extLst>
+              <a:ext uri="{FF2B5EF4-FFF2-40B4-BE49-F238E27FC236}">
+                <a16:creationId xmlns:a16="http://schemas.microsoft.com/office/drawing/2014/main" id="{A21709F4-CF84-3D40-B196-C93AC2D35F06}"/>
+              </a:ext>
+            </a:extLst>
+          </p:cNvPr>
+          <p:cNvSpPr>
+            <a:spLocks noGrp="1"/>
+          </p:cNvSpPr>
+          <p:nvPr>
+            <p:ph type="dt" sz="half" idx="10"/>
+          </p:nvPr>
+        </p:nvSpPr>
+        <p:spPr>
+          <a:xfrm>
+            <a:off x="6812315" y="4811444"/>
+            <a:ext cx="1973926" cy="228599"/>
+          </a:xfrm>
+        </p:spPr>
+        <p:txBody>
+          <a:bodyPr>
+            <a:normAutofit/>
+          </a:bodyPr>
+          <a:lstStyle/>
+          <a:p>
+            <a:pPr algn="r">
+              <a:spcAft>
+                <a:spcPts val="600"/>
+              </a:spcAft>
+            </a:pPr>
+            <a:r>
+              <a:rPr lang="en-US">
+                <a:solidFill>
+                  <a:srgbClr val="FFFFFF"/>
+                </a:solidFill>
+              </a:rPr>
+              <a:t>6. 4. 2020</a:t>
+            </a:r>
+          </a:p>
+        </p:txBody>
+      </p:sp>
+    </p:spTree>
+    <p:extLst>
+      <p:ext uri="{BB962C8B-B14F-4D97-AF65-F5344CB8AC3E}">
+        <p14:creationId xmlns:p14="http://schemas.microsoft.com/office/powerpoint/2010/main" val="491859717"/>
+      </p:ext>
+    </p:extLst>
+  </p:cSld>
+  <p:clrMapOvr>
+    <a:masterClrMapping/>
+  </p:clrMapOvr>
+</p:sld>
+</file>
+
+<file path=ppt/slides/slide29.xml><?xml version="1.0" encoding="utf-8"?>
+<p:sld xmlns:a="http://schemas.openxmlformats.org/drawingml/2006/main" xmlns:r="http://schemas.openxmlformats.org/officeDocument/2006/relationships" xmlns:p="http://schemas.openxmlformats.org/presentationml/2006/main">
+  <p:cSld>
+    <p:bg>
+      <p:bgPr>
+        <a:blipFill rotWithShape="1">
+          <a:blip r:embed="rId2">
+            <a:duotone>
+              <a:schemeClr val="bg2">
                 <a:shade val="62000"/>
                 <a:hueMod val="108000"/>
                 <a:satMod val="164000"/>
@@ -15531,7 +15874,7 @@
                   <a:spcPts val="600"/>
                 </a:spcAft>
               </a:pPr>
-              <a:t>28</a:t>
+              <a:t>29</a:t>
             </a:fld>
             <a:endParaRPr lang="en-US"/>
           </a:p>
@@ -15669,348 +16012,6 @@
     <p:extLst>
       <p:ext uri="{BB962C8B-B14F-4D97-AF65-F5344CB8AC3E}">
         <p14:creationId xmlns:p14="http://schemas.microsoft.com/office/powerpoint/2010/main" val="3784241113"/>
-      </p:ext>
-    </p:extLst>
-  </p:cSld>
-  <p:clrMapOvr>
-    <a:masterClrMapping/>
-  </p:clrMapOvr>
-</p:sld>
-</file>
-
-<file path=ppt/slides/slide29.xml><?xml version="1.0" encoding="utf-8"?>
-<p:sld xmlns:a="http://schemas.openxmlformats.org/drawingml/2006/main" xmlns:r="http://schemas.openxmlformats.org/officeDocument/2006/relationships" xmlns:p="http://schemas.openxmlformats.org/presentationml/2006/main">
-  <p:cSld>
-    <p:bg>
-      <p:bgPr>
-        <a:blipFill rotWithShape="1">
-          <a:blip r:embed="rId2">
-            <a:duotone>
-              <a:schemeClr val="bg2">
-                <a:shade val="69000"/>
-                <a:hueMod val="108000"/>
-                <a:satMod val="164000"/>
-                <a:lumMod val="74000"/>
-              </a:schemeClr>
-              <a:schemeClr val="bg2">
-                <a:tint val="96000"/>
-                <a:hueMod val="88000"/>
-                <a:satMod val="140000"/>
-                <a:lumMod val="132000"/>
-              </a:schemeClr>
-            </a:duotone>
-          </a:blip>
-          <a:stretch/>
-        </a:blipFill>
-        <a:effectLst/>
-      </p:bgPr>
-    </p:bg>
-    <p:spTree>
-      <p:nvGrpSpPr>
-        <p:cNvPr id="1" name=""/>
-        <p:cNvGrpSpPr/>
-        <p:nvPr/>
-      </p:nvGrpSpPr>
-      <p:grpSpPr>
-        <a:xfrm>
-          <a:off x="0" y="0"/>
-          <a:ext cx="0" cy="0"/>
-          <a:chOff x="0" y="0"/>
-          <a:chExt cx="0" cy="0"/>
-        </a:xfrm>
-      </p:grpSpPr>
-      <p:sp>
-        <p:nvSpPr>
-          <p:cNvPr id="11" name="Rectangle 10">
-            <a:extLst>
-              <a:ext uri="{FF2B5EF4-FFF2-40B4-BE49-F238E27FC236}">
-                <a16:creationId xmlns:a16="http://schemas.microsoft.com/office/drawing/2014/main" id="{DFB3CEA1-88D9-42FB-88ED-1E9807FE6596}"/>
-              </a:ext>
-              <a:ext uri="{C183D7F6-B498-43B3-948B-1728B52AA6E4}">
-                <adec:decorative xmlns:adec="http://schemas.microsoft.com/office/drawing/2017/decorative" val="1"/>
-              </a:ext>
-            </a:extLst>
-          </p:cNvPr>
-          <p:cNvSpPr>
-            <a:spLocks noGrp="1" noRot="1" noChangeAspect="1" noMove="1" noResize="1" noEditPoints="1" noAdjustHandles="1" noChangeArrowheads="1" noChangeShapeType="1" noTextEdit="1"/>
-          </p:cNvSpPr>
-          <p:nvPr>
-            <p:extLst>
-              <p:ext uri="{386F3935-93C4-4BCD-93E2-E3B085C9AB24}">
-                <p16:designElem xmlns:p16="http://schemas.microsoft.com/office/powerpoint/2015/main" val="1"/>
-              </p:ext>
-            </p:extLst>
-          </p:nvPr>
-        </p:nvSpPr>
-        <p:spPr>
-          <a:xfrm>
-            <a:off x="357759" y="360045"/>
-            <a:ext cx="8428482" cy="4423410"/>
-          </a:xfrm>
-          <a:prstGeom prst="rect">
-            <a:avLst/>
-          </a:prstGeom>
-          <a:solidFill>
-            <a:srgbClr val="FFFFFF"/>
-          </a:solidFill>
-          <a:ln>
-            <a:noFill/>
-          </a:ln>
-        </p:spPr>
-        <p:style>
-          <a:lnRef idx="2">
-            <a:schemeClr val="accent1">
-              <a:shade val="50000"/>
-            </a:schemeClr>
-          </a:lnRef>
-          <a:fillRef idx="1">
-            <a:schemeClr val="accent1"/>
-          </a:fillRef>
-          <a:effectRef idx="0">
-            <a:schemeClr val="accent1"/>
-          </a:effectRef>
-          <a:fontRef idx="minor">
-            <a:schemeClr val="lt1"/>
-          </a:fontRef>
-        </p:style>
-        <p:txBody>
-          <a:bodyPr rtlCol="0" anchor="ctr"/>
-          <a:lstStyle/>
-          <a:p>
-            <a:pPr algn="ctr"/>
-            <a:endParaRPr lang="en-US" dirty="0"/>
-          </a:p>
-        </p:txBody>
-      </p:sp>
-      <p:pic>
-        <p:nvPicPr>
-          <p:cNvPr id="6" name="Picture 5" descr="Chart, histogram&#10;&#10;Description automatically generated">
-            <a:extLst>
-              <a:ext uri="{FF2B5EF4-FFF2-40B4-BE49-F238E27FC236}">
-                <a16:creationId xmlns:a16="http://schemas.microsoft.com/office/drawing/2014/main" id="{403FB6FE-96DF-4D8D-A939-FD997F0338BC}"/>
-              </a:ext>
-            </a:extLst>
-          </p:cNvPr>
-          <p:cNvPicPr>
-            <a:picLocks noChangeAspect="1"/>
-          </p:cNvPicPr>
-          <p:nvPr/>
-        </p:nvPicPr>
-        <p:blipFill>
-          <a:blip r:embed="rId3"/>
-          <a:stretch>
-            <a:fillRect/>
-          </a:stretch>
-        </p:blipFill>
-        <p:spPr>
-          <a:xfrm>
-            <a:off x="2307339" y="482600"/>
-            <a:ext cx="4529321" cy="4178299"/>
-          </a:xfrm>
-          <a:prstGeom prst="rect">
-            <a:avLst/>
-          </a:prstGeom>
-        </p:spPr>
-      </p:pic>
-      <p:sp>
-        <p:nvSpPr>
-          <p:cNvPr id="13" name="Rectangle 12">
-            <a:extLst>
-              <a:ext uri="{FF2B5EF4-FFF2-40B4-BE49-F238E27FC236}">
-                <a16:creationId xmlns:a16="http://schemas.microsoft.com/office/drawing/2014/main" id="{9A6C928E-4252-4F33-8C34-E50A12A3170B}"/>
-              </a:ext>
-              <a:ext uri="{C183D7F6-B498-43B3-948B-1728B52AA6E4}">
-                <adec:decorative xmlns:adec="http://schemas.microsoft.com/office/drawing/2017/decorative" val="1"/>
-              </a:ext>
-            </a:extLst>
-          </p:cNvPr>
-          <p:cNvSpPr>
-            <a:spLocks noGrp="1" noRot="1" noChangeAspect="1" noMove="1" noResize="1" noEditPoints="1" noAdjustHandles="1" noChangeArrowheads="1" noChangeShapeType="1" noTextEdit="1"/>
-          </p:cNvSpPr>
-          <p:nvPr>
-            <p:extLst>
-              <p:ext uri="{386F3935-93C4-4BCD-93E2-E3B085C9AB24}">
-                <p16:designElem xmlns:p16="http://schemas.microsoft.com/office/powerpoint/2015/main" val="1"/>
-              </p:ext>
-            </p:extLst>
-          </p:nvPr>
-        </p:nvSpPr>
-        <p:spPr>
-          <a:xfrm>
-            <a:off x="7828359" y="0"/>
-            <a:ext cx="514350" cy="857250"/>
-          </a:xfrm>
-          <a:prstGeom prst="rect">
-            <a:avLst/>
-          </a:prstGeom>
-          <a:solidFill>
-            <a:schemeClr val="accent1"/>
-          </a:solidFill>
-          <a:ln>
-            <a:noFill/>
-          </a:ln>
-        </p:spPr>
-        <p:style>
-          <a:lnRef idx="1">
-            <a:schemeClr val="accent1"/>
-          </a:lnRef>
-          <a:fillRef idx="3">
-            <a:schemeClr val="accent1"/>
-          </a:fillRef>
-          <a:effectRef idx="2">
-            <a:schemeClr val="accent1"/>
-          </a:effectRef>
-          <a:fontRef idx="minor">
-            <a:schemeClr val="lt1"/>
-          </a:fontRef>
-        </p:style>
-      </p:sp>
-      <p:sp>
-        <p:nvSpPr>
-          <p:cNvPr id="4" name="Slide Number Placeholder 3">
-            <a:extLst>
-              <a:ext uri="{FF2B5EF4-FFF2-40B4-BE49-F238E27FC236}">
-                <a16:creationId xmlns:a16="http://schemas.microsoft.com/office/drawing/2014/main" id="{1FBF409E-CC5C-4A36-9334-62CE6CDBE589}"/>
-              </a:ext>
-            </a:extLst>
-          </p:cNvPr>
-          <p:cNvSpPr>
-            <a:spLocks noGrp="1"/>
-          </p:cNvSpPr>
-          <p:nvPr>
-            <p:ph type="sldNum" sz="quarter" idx="12"/>
-          </p:nvPr>
-        </p:nvSpPr>
-        <p:spPr>
-          <a:xfrm>
-            <a:off x="7764405" y="221796"/>
-            <a:ext cx="628649" cy="575766"/>
-          </a:xfrm>
-        </p:spPr>
-        <p:txBody>
-          <a:bodyPr>
-            <a:normAutofit/>
-          </a:bodyPr>
-          <a:lstStyle/>
-          <a:p>
-            <a:pPr>
-              <a:spcAft>
-                <a:spcPts val="600"/>
-              </a:spcAft>
-            </a:pPr>
-            <a:fld id="{03BC8BC1-971C-5C4D-898D-87CE7EF1EB36}" type="slidenum">
-              <a:rPr lang="en-US">
-                <a:solidFill>
-                  <a:srgbClr val="FFFFFF"/>
-                </a:solidFill>
-              </a:rPr>
-              <a:pPr>
-                <a:spcAft>
-                  <a:spcPts val="600"/>
-                </a:spcAft>
-              </a:pPr>
-              <a:t>29</a:t>
-            </a:fld>
-            <a:endParaRPr lang="en-US">
-              <a:solidFill>
-                <a:srgbClr val="FFFFFF"/>
-              </a:solidFill>
-            </a:endParaRPr>
-          </a:p>
-        </p:txBody>
-      </p:sp>
-      <p:sp>
-        <p:nvSpPr>
-          <p:cNvPr id="3" name="Footer Placeholder 2">
-            <a:extLst>
-              <a:ext uri="{FF2B5EF4-FFF2-40B4-BE49-F238E27FC236}">
-                <a16:creationId xmlns:a16="http://schemas.microsoft.com/office/drawing/2014/main" id="{A7872B1B-6E25-43B8-B94B-A221E57CECE1}"/>
-              </a:ext>
-            </a:extLst>
-          </p:cNvPr>
-          <p:cNvSpPr>
-            <a:spLocks noGrp="1"/>
-          </p:cNvSpPr>
-          <p:nvPr>
-            <p:ph type="ftr" sz="quarter" idx="11"/>
-          </p:nvPr>
-        </p:nvSpPr>
-        <p:spPr>
-          <a:xfrm>
-            <a:off x="482600" y="4811443"/>
-            <a:ext cx="2894846" cy="228601"/>
-          </a:xfrm>
-        </p:spPr>
-        <p:txBody>
-          <a:bodyPr>
-            <a:normAutofit/>
-          </a:bodyPr>
-          <a:lstStyle/>
-          <a:p>
-            <a:pPr>
-              <a:spcAft>
-                <a:spcPts val="600"/>
-              </a:spcAft>
-            </a:pPr>
-            <a:r>
-              <a:rPr lang="en-US">
-                <a:solidFill>
-                  <a:srgbClr val="FFFFFF"/>
-                </a:solidFill>
-              </a:rPr>
-              <a:t>PR19-20, Vmesna predstavitev</a:t>
-            </a:r>
-          </a:p>
-        </p:txBody>
-      </p:sp>
-      <p:sp>
-        <p:nvSpPr>
-          <p:cNvPr id="2" name="Date Placeholder 1">
-            <a:extLst>
-              <a:ext uri="{FF2B5EF4-FFF2-40B4-BE49-F238E27FC236}">
-                <a16:creationId xmlns:a16="http://schemas.microsoft.com/office/drawing/2014/main" id="{E58D89F2-2B13-4315-9AED-09EAB4BC69CF}"/>
-              </a:ext>
-            </a:extLst>
-          </p:cNvPr>
-          <p:cNvSpPr>
-            <a:spLocks noGrp="1"/>
-          </p:cNvSpPr>
-          <p:nvPr>
-            <p:ph type="dt" sz="half" idx="10"/>
-          </p:nvPr>
-        </p:nvSpPr>
-        <p:spPr>
-          <a:xfrm>
-            <a:off x="6812315" y="4811444"/>
-            <a:ext cx="1973926" cy="228599"/>
-          </a:xfrm>
-        </p:spPr>
-        <p:txBody>
-          <a:bodyPr>
-            <a:normAutofit/>
-          </a:bodyPr>
-          <a:lstStyle/>
-          <a:p>
-            <a:pPr algn="r">
-              <a:spcAft>
-                <a:spcPts val="600"/>
-              </a:spcAft>
-            </a:pPr>
-            <a:r>
-              <a:rPr lang="en-US">
-                <a:solidFill>
-                  <a:srgbClr val="FFFFFF"/>
-                </a:solidFill>
-              </a:rPr>
-              <a:t>6. 4. 2020</a:t>
-            </a:r>
-          </a:p>
-        </p:txBody>
-      </p:sp>
-    </p:spTree>
-    <p:extLst>
-      <p:ext uri="{BB962C8B-B14F-4D97-AF65-F5344CB8AC3E}">
-        <p14:creationId xmlns:p14="http://schemas.microsoft.com/office/powerpoint/2010/main" val="4089428228"/>
       </p:ext>
     </p:extLst>
   </p:cSld>
@@ -16667,7 +16668,7 @@
           <p:cNvPr id="6" name="Picture 5" descr="Chart, histogram&#10;&#10;Description automatically generated">
             <a:extLst>
               <a:ext uri="{FF2B5EF4-FFF2-40B4-BE49-F238E27FC236}">
-                <a16:creationId xmlns:a16="http://schemas.microsoft.com/office/drawing/2014/main" id="{16D12EA2-03AA-4B59-BA03-5D4C50B49243}"/>
+                <a16:creationId xmlns:a16="http://schemas.microsoft.com/office/drawing/2014/main" id="{403FB6FE-96DF-4D8D-A939-FD997F0338BC}"/>
               </a:ext>
             </a:extLst>
           </p:cNvPr>
@@ -16684,8 +16685,8 @@
         </p:blipFill>
         <p:spPr>
           <a:xfrm>
-            <a:off x="2319547" y="482600"/>
-            <a:ext cx="4504904" cy="4178299"/>
+            <a:off x="2307339" y="482600"/>
+            <a:ext cx="4529321" cy="4178299"/>
           </a:xfrm>
           <a:prstGeom prst="rect">
             <a:avLst/>
@@ -16750,7 +16751,7 @@
           <p:cNvPr id="4" name="Slide Number Placeholder 3">
             <a:extLst>
               <a:ext uri="{FF2B5EF4-FFF2-40B4-BE49-F238E27FC236}">
-                <a16:creationId xmlns:a16="http://schemas.microsoft.com/office/drawing/2014/main" id="{C1F94214-D0E5-4228-A530-AF40F54A14B3}"/>
+                <a16:creationId xmlns:a16="http://schemas.microsoft.com/office/drawing/2014/main" id="{1FBF409E-CC5C-4A36-9334-62CE6CDBE589}"/>
               </a:ext>
             </a:extLst>
           </p:cNvPr>
@@ -16804,7 +16805,7 @@
           <p:cNvPr id="3" name="Footer Placeholder 2">
             <a:extLst>
               <a:ext uri="{FF2B5EF4-FFF2-40B4-BE49-F238E27FC236}">
-                <a16:creationId xmlns:a16="http://schemas.microsoft.com/office/drawing/2014/main" id="{69B7FA8F-11BF-459D-88EF-DC9174888634}"/>
+                <a16:creationId xmlns:a16="http://schemas.microsoft.com/office/drawing/2014/main" id="{A7872B1B-6E25-43B8-B94B-A221E57CECE1}"/>
               </a:ext>
             </a:extLst>
           </p:cNvPr>
@@ -16848,7 +16849,7 @@
           <p:cNvPr id="2" name="Date Placeholder 1">
             <a:extLst>
               <a:ext uri="{FF2B5EF4-FFF2-40B4-BE49-F238E27FC236}">
-                <a16:creationId xmlns:a16="http://schemas.microsoft.com/office/drawing/2014/main" id="{291A51A3-56D5-4F51-B783-A9ECBD7B86F8}"/>
+                <a16:creationId xmlns:a16="http://schemas.microsoft.com/office/drawing/2014/main" id="{E58D89F2-2B13-4315-9AED-09EAB4BC69CF}"/>
               </a:ext>
             </a:extLst>
           </p:cNvPr>
@@ -16890,7 +16891,7 @@
     </p:spTree>
     <p:extLst>
       <p:ext uri="{BB962C8B-B14F-4D97-AF65-F5344CB8AC3E}">
-        <p14:creationId xmlns:p14="http://schemas.microsoft.com/office/powerpoint/2010/main" val="211826440"/>
+        <p14:creationId xmlns:p14="http://schemas.microsoft.com/office/powerpoint/2010/main" val="4089428228"/>
       </p:ext>
     </p:extLst>
   </p:cSld>
@@ -17009,7 +17010,7 @@
           <p:cNvPr id="6" name="Picture 5" descr="Chart, histogram&#10;&#10;Description automatically generated">
             <a:extLst>
               <a:ext uri="{FF2B5EF4-FFF2-40B4-BE49-F238E27FC236}">
-                <a16:creationId xmlns:a16="http://schemas.microsoft.com/office/drawing/2014/main" id="{55261E87-A1BF-4737-A95A-9ED49A63CC1F}"/>
+                <a16:creationId xmlns:a16="http://schemas.microsoft.com/office/drawing/2014/main" id="{16D12EA2-03AA-4B59-BA03-5D4C50B49243}"/>
               </a:ext>
             </a:extLst>
           </p:cNvPr>
@@ -17026,8 +17027,8 @@
         </p:blipFill>
         <p:spPr>
           <a:xfrm>
-            <a:off x="2401454" y="482600"/>
-            <a:ext cx="4341090" cy="4178299"/>
+            <a:off x="2319547" y="482600"/>
+            <a:ext cx="4504904" cy="4178299"/>
           </a:xfrm>
           <a:prstGeom prst="rect">
             <a:avLst/>
@@ -17092,7 +17093,7 @@
           <p:cNvPr id="4" name="Slide Number Placeholder 3">
             <a:extLst>
               <a:ext uri="{FF2B5EF4-FFF2-40B4-BE49-F238E27FC236}">
-                <a16:creationId xmlns:a16="http://schemas.microsoft.com/office/drawing/2014/main" id="{F03C6F21-899A-4B32-B2E1-D0F2618BC1D0}"/>
+                <a16:creationId xmlns:a16="http://schemas.microsoft.com/office/drawing/2014/main" id="{C1F94214-D0E5-4228-A530-AF40F54A14B3}"/>
               </a:ext>
             </a:extLst>
           </p:cNvPr>
@@ -17132,6 +17133,348 @@
                 </a:spcAft>
               </a:pPr>
               <a:t>31</a:t>
+            </a:fld>
+            <a:endParaRPr lang="en-US">
+              <a:solidFill>
+                <a:srgbClr val="FFFFFF"/>
+              </a:solidFill>
+            </a:endParaRPr>
+          </a:p>
+        </p:txBody>
+      </p:sp>
+      <p:sp>
+        <p:nvSpPr>
+          <p:cNvPr id="3" name="Footer Placeholder 2">
+            <a:extLst>
+              <a:ext uri="{FF2B5EF4-FFF2-40B4-BE49-F238E27FC236}">
+                <a16:creationId xmlns:a16="http://schemas.microsoft.com/office/drawing/2014/main" id="{69B7FA8F-11BF-459D-88EF-DC9174888634}"/>
+              </a:ext>
+            </a:extLst>
+          </p:cNvPr>
+          <p:cNvSpPr>
+            <a:spLocks noGrp="1"/>
+          </p:cNvSpPr>
+          <p:nvPr>
+            <p:ph type="ftr" sz="quarter" idx="11"/>
+          </p:nvPr>
+        </p:nvSpPr>
+        <p:spPr>
+          <a:xfrm>
+            <a:off x="482600" y="4811443"/>
+            <a:ext cx="2894846" cy="228601"/>
+          </a:xfrm>
+        </p:spPr>
+        <p:txBody>
+          <a:bodyPr>
+            <a:normAutofit/>
+          </a:bodyPr>
+          <a:lstStyle/>
+          <a:p>
+            <a:pPr>
+              <a:spcAft>
+                <a:spcPts val="600"/>
+              </a:spcAft>
+            </a:pPr>
+            <a:r>
+              <a:rPr lang="en-US">
+                <a:solidFill>
+                  <a:srgbClr val="FFFFFF"/>
+                </a:solidFill>
+              </a:rPr>
+              <a:t>PR19-20, Vmesna predstavitev</a:t>
+            </a:r>
+          </a:p>
+        </p:txBody>
+      </p:sp>
+      <p:sp>
+        <p:nvSpPr>
+          <p:cNvPr id="2" name="Date Placeholder 1">
+            <a:extLst>
+              <a:ext uri="{FF2B5EF4-FFF2-40B4-BE49-F238E27FC236}">
+                <a16:creationId xmlns:a16="http://schemas.microsoft.com/office/drawing/2014/main" id="{291A51A3-56D5-4F51-B783-A9ECBD7B86F8}"/>
+              </a:ext>
+            </a:extLst>
+          </p:cNvPr>
+          <p:cNvSpPr>
+            <a:spLocks noGrp="1"/>
+          </p:cNvSpPr>
+          <p:nvPr>
+            <p:ph type="dt" sz="half" idx="10"/>
+          </p:nvPr>
+        </p:nvSpPr>
+        <p:spPr>
+          <a:xfrm>
+            <a:off x="6812315" y="4811444"/>
+            <a:ext cx="1973926" cy="228599"/>
+          </a:xfrm>
+        </p:spPr>
+        <p:txBody>
+          <a:bodyPr>
+            <a:normAutofit/>
+          </a:bodyPr>
+          <a:lstStyle/>
+          <a:p>
+            <a:pPr algn="r">
+              <a:spcAft>
+                <a:spcPts val="600"/>
+              </a:spcAft>
+            </a:pPr>
+            <a:r>
+              <a:rPr lang="en-US">
+                <a:solidFill>
+                  <a:srgbClr val="FFFFFF"/>
+                </a:solidFill>
+              </a:rPr>
+              <a:t>6. 4. 2020</a:t>
+            </a:r>
+          </a:p>
+        </p:txBody>
+      </p:sp>
+    </p:spTree>
+    <p:extLst>
+      <p:ext uri="{BB962C8B-B14F-4D97-AF65-F5344CB8AC3E}">
+        <p14:creationId xmlns:p14="http://schemas.microsoft.com/office/powerpoint/2010/main" val="211826440"/>
+      </p:ext>
+    </p:extLst>
+  </p:cSld>
+  <p:clrMapOvr>
+    <a:masterClrMapping/>
+  </p:clrMapOvr>
+</p:sld>
+</file>
+
+<file path=ppt/slides/slide32.xml><?xml version="1.0" encoding="utf-8"?>
+<p:sld xmlns:a="http://schemas.openxmlformats.org/drawingml/2006/main" xmlns:r="http://schemas.openxmlformats.org/officeDocument/2006/relationships" xmlns:p="http://schemas.openxmlformats.org/presentationml/2006/main">
+  <p:cSld>
+    <p:bg>
+      <p:bgPr>
+        <a:blipFill rotWithShape="1">
+          <a:blip r:embed="rId2">
+            <a:duotone>
+              <a:schemeClr val="bg2">
+                <a:shade val="69000"/>
+                <a:hueMod val="108000"/>
+                <a:satMod val="164000"/>
+                <a:lumMod val="74000"/>
+              </a:schemeClr>
+              <a:schemeClr val="bg2">
+                <a:tint val="96000"/>
+                <a:hueMod val="88000"/>
+                <a:satMod val="140000"/>
+                <a:lumMod val="132000"/>
+              </a:schemeClr>
+            </a:duotone>
+          </a:blip>
+          <a:stretch/>
+        </a:blipFill>
+        <a:effectLst/>
+      </p:bgPr>
+    </p:bg>
+    <p:spTree>
+      <p:nvGrpSpPr>
+        <p:cNvPr id="1" name=""/>
+        <p:cNvGrpSpPr/>
+        <p:nvPr/>
+      </p:nvGrpSpPr>
+      <p:grpSpPr>
+        <a:xfrm>
+          <a:off x="0" y="0"/>
+          <a:ext cx="0" cy="0"/>
+          <a:chOff x="0" y="0"/>
+          <a:chExt cx="0" cy="0"/>
+        </a:xfrm>
+      </p:grpSpPr>
+      <p:sp>
+        <p:nvSpPr>
+          <p:cNvPr id="11" name="Rectangle 10">
+            <a:extLst>
+              <a:ext uri="{FF2B5EF4-FFF2-40B4-BE49-F238E27FC236}">
+                <a16:creationId xmlns:a16="http://schemas.microsoft.com/office/drawing/2014/main" id="{DFB3CEA1-88D9-42FB-88ED-1E9807FE6596}"/>
+              </a:ext>
+              <a:ext uri="{C183D7F6-B498-43B3-948B-1728B52AA6E4}">
+                <adec:decorative xmlns:adec="http://schemas.microsoft.com/office/drawing/2017/decorative" val="1"/>
+              </a:ext>
+            </a:extLst>
+          </p:cNvPr>
+          <p:cNvSpPr>
+            <a:spLocks noGrp="1" noRot="1" noChangeAspect="1" noMove="1" noResize="1" noEditPoints="1" noAdjustHandles="1" noChangeArrowheads="1" noChangeShapeType="1" noTextEdit="1"/>
+          </p:cNvSpPr>
+          <p:nvPr>
+            <p:extLst>
+              <p:ext uri="{386F3935-93C4-4BCD-93E2-E3B085C9AB24}">
+                <p16:designElem xmlns:p16="http://schemas.microsoft.com/office/powerpoint/2015/main" val="1"/>
+              </p:ext>
+            </p:extLst>
+          </p:nvPr>
+        </p:nvSpPr>
+        <p:spPr>
+          <a:xfrm>
+            <a:off x="357759" y="360045"/>
+            <a:ext cx="8428482" cy="4423410"/>
+          </a:xfrm>
+          <a:prstGeom prst="rect">
+            <a:avLst/>
+          </a:prstGeom>
+          <a:solidFill>
+            <a:srgbClr val="FFFFFF"/>
+          </a:solidFill>
+          <a:ln>
+            <a:noFill/>
+          </a:ln>
+        </p:spPr>
+        <p:style>
+          <a:lnRef idx="2">
+            <a:schemeClr val="accent1">
+              <a:shade val="50000"/>
+            </a:schemeClr>
+          </a:lnRef>
+          <a:fillRef idx="1">
+            <a:schemeClr val="accent1"/>
+          </a:fillRef>
+          <a:effectRef idx="0">
+            <a:schemeClr val="accent1"/>
+          </a:effectRef>
+          <a:fontRef idx="minor">
+            <a:schemeClr val="lt1"/>
+          </a:fontRef>
+        </p:style>
+        <p:txBody>
+          <a:bodyPr rtlCol="0" anchor="ctr"/>
+          <a:lstStyle/>
+          <a:p>
+            <a:pPr algn="ctr"/>
+            <a:endParaRPr lang="en-US" dirty="0"/>
+          </a:p>
+        </p:txBody>
+      </p:sp>
+      <p:pic>
+        <p:nvPicPr>
+          <p:cNvPr id="6" name="Picture 5" descr="Chart, histogram&#10;&#10;Description automatically generated">
+            <a:extLst>
+              <a:ext uri="{FF2B5EF4-FFF2-40B4-BE49-F238E27FC236}">
+                <a16:creationId xmlns:a16="http://schemas.microsoft.com/office/drawing/2014/main" id="{55261E87-A1BF-4737-A95A-9ED49A63CC1F}"/>
+              </a:ext>
+            </a:extLst>
+          </p:cNvPr>
+          <p:cNvPicPr>
+            <a:picLocks noChangeAspect="1"/>
+          </p:cNvPicPr>
+          <p:nvPr/>
+        </p:nvPicPr>
+        <p:blipFill>
+          <a:blip r:embed="rId3"/>
+          <a:stretch>
+            <a:fillRect/>
+          </a:stretch>
+        </p:blipFill>
+        <p:spPr>
+          <a:xfrm>
+            <a:off x="2401454" y="482600"/>
+            <a:ext cx="4341090" cy="4178299"/>
+          </a:xfrm>
+          <a:prstGeom prst="rect">
+            <a:avLst/>
+          </a:prstGeom>
+        </p:spPr>
+      </p:pic>
+      <p:sp>
+        <p:nvSpPr>
+          <p:cNvPr id="13" name="Rectangle 12">
+            <a:extLst>
+              <a:ext uri="{FF2B5EF4-FFF2-40B4-BE49-F238E27FC236}">
+                <a16:creationId xmlns:a16="http://schemas.microsoft.com/office/drawing/2014/main" id="{9A6C928E-4252-4F33-8C34-E50A12A3170B}"/>
+              </a:ext>
+              <a:ext uri="{C183D7F6-B498-43B3-948B-1728B52AA6E4}">
+                <adec:decorative xmlns:adec="http://schemas.microsoft.com/office/drawing/2017/decorative" val="1"/>
+              </a:ext>
+            </a:extLst>
+          </p:cNvPr>
+          <p:cNvSpPr>
+            <a:spLocks noGrp="1" noRot="1" noChangeAspect="1" noMove="1" noResize="1" noEditPoints="1" noAdjustHandles="1" noChangeArrowheads="1" noChangeShapeType="1" noTextEdit="1"/>
+          </p:cNvSpPr>
+          <p:nvPr>
+            <p:extLst>
+              <p:ext uri="{386F3935-93C4-4BCD-93E2-E3B085C9AB24}">
+                <p16:designElem xmlns:p16="http://schemas.microsoft.com/office/powerpoint/2015/main" val="1"/>
+              </p:ext>
+            </p:extLst>
+          </p:nvPr>
+        </p:nvSpPr>
+        <p:spPr>
+          <a:xfrm>
+            <a:off x="7828359" y="0"/>
+            <a:ext cx="514350" cy="857250"/>
+          </a:xfrm>
+          <a:prstGeom prst="rect">
+            <a:avLst/>
+          </a:prstGeom>
+          <a:solidFill>
+            <a:schemeClr val="accent1"/>
+          </a:solidFill>
+          <a:ln>
+            <a:noFill/>
+          </a:ln>
+        </p:spPr>
+        <p:style>
+          <a:lnRef idx="1">
+            <a:schemeClr val="accent1"/>
+          </a:lnRef>
+          <a:fillRef idx="3">
+            <a:schemeClr val="accent1"/>
+          </a:fillRef>
+          <a:effectRef idx="2">
+            <a:schemeClr val="accent1"/>
+          </a:effectRef>
+          <a:fontRef idx="minor">
+            <a:schemeClr val="lt1"/>
+          </a:fontRef>
+        </p:style>
+      </p:sp>
+      <p:sp>
+        <p:nvSpPr>
+          <p:cNvPr id="4" name="Slide Number Placeholder 3">
+            <a:extLst>
+              <a:ext uri="{FF2B5EF4-FFF2-40B4-BE49-F238E27FC236}">
+                <a16:creationId xmlns:a16="http://schemas.microsoft.com/office/drawing/2014/main" id="{F03C6F21-899A-4B32-B2E1-D0F2618BC1D0}"/>
+              </a:ext>
+            </a:extLst>
+          </p:cNvPr>
+          <p:cNvSpPr>
+            <a:spLocks noGrp="1"/>
+          </p:cNvSpPr>
+          <p:nvPr>
+            <p:ph type="sldNum" sz="quarter" idx="12"/>
+          </p:nvPr>
+        </p:nvSpPr>
+        <p:spPr>
+          <a:xfrm>
+            <a:off x="7764405" y="221796"/>
+            <a:ext cx="628649" cy="575766"/>
+          </a:xfrm>
+        </p:spPr>
+        <p:txBody>
+          <a:bodyPr>
+            <a:normAutofit/>
+          </a:bodyPr>
+          <a:lstStyle/>
+          <a:p>
+            <a:pPr>
+              <a:spcAft>
+                <a:spcPts val="600"/>
+              </a:spcAft>
+            </a:pPr>
+            <a:fld id="{03BC8BC1-971C-5C4D-898D-87CE7EF1EB36}" type="slidenum">
+              <a:rPr lang="en-US">
+                <a:solidFill>
+                  <a:srgbClr val="FFFFFF"/>
+                </a:solidFill>
+              </a:rPr>
+              <a:pPr>
+                <a:spcAft>
+                  <a:spcPts val="600"/>
+                </a:spcAft>
+              </a:pPr>
+              <a:t>32</a:t>
             </a:fld>
             <a:endParaRPr lang="en-US">
               <a:solidFill>
